--- a/L4-FE-Feb-27/FE-L4-Feb-27 SEO.pptx
+++ b/L4-FE-Feb-27/FE-L4-Feb-27 SEO.pptx
@@ -884,6 +884,14 @@
           <pc:docMk/>
           <pc:sldMk cId="158552046" sldId="262"/>
         </pc:sldMkLst>
+        <pc:spChg chg="add mod">
+          <ac:chgData name="Никола Алексеев" userId="ba66283bcb01e904" providerId="LiveId" clId="{9FA99FA1-656E-4361-BD8C-5D97150E1C72}" dt="2018-02-25T22:53:11.174" v="7032" actId="20577"/>
+          <ac:spMkLst>
+            <pc:docMk/>
+            <pc:sldMk cId="158552046" sldId="262"/>
+            <ac:spMk id="2" creationId="{0CF269FC-0BAE-4E58-AFE7-2D2D3FEA5B9E}"/>
+          </ac:spMkLst>
+        </pc:spChg>
         <pc:spChg chg="add del">
           <ac:chgData name="Никола Алексеев" userId="ba66283bcb01e904" providerId="LiveId" clId="{9FA99FA1-656E-4361-BD8C-5D97150E1C72}" dt="2018-02-25T00:39:15.353" v="1834" actId="478"/>
           <ac:spMkLst>
@@ -892,14 +900,6 @@
             <ac:spMk id="2" creationId="{10C37CE3-5BFD-41F3-BC2F-C5CFF363E05C}"/>
           </ac:spMkLst>
         </pc:spChg>
-        <pc:spChg chg="add mod">
-          <ac:chgData name="Никола Алексеев" userId="ba66283bcb01e904" providerId="LiveId" clId="{9FA99FA1-656E-4361-BD8C-5D97150E1C72}" dt="2018-02-25T22:53:11.174" v="7032" actId="20577"/>
-          <ac:spMkLst>
-            <pc:docMk/>
-            <pc:sldMk cId="158552046" sldId="262"/>
-            <ac:spMk id="2" creationId="{0CF269FC-0BAE-4E58-AFE7-2D2D3FEA5B9E}"/>
-          </ac:spMkLst>
-        </pc:spChg>
         <pc:spChg chg="add del mod">
           <ac:chgData name="Никола Алексеев" userId="ba66283bcb01e904" providerId="LiveId" clId="{9FA99FA1-656E-4361-BD8C-5D97150E1C72}" dt="2018-02-25T22:15:14.292" v="6326" actId="478"/>
           <ac:spMkLst>
@@ -916,20 +916,20 @@
             <ac:spMk id="4" creationId="{796C3D3A-5450-4384-BA8C-C0F143C4EF5E}"/>
           </ac:spMkLst>
         </pc:spChg>
+        <pc:spChg chg="add del">
+          <ac:chgData name="Никола Алексеев" userId="ba66283bcb01e904" providerId="LiveId" clId="{9FA99FA1-656E-4361-BD8C-5D97150E1C72}" dt="2018-02-25T00:39:16.401" v="1835" actId="478"/>
+          <ac:spMkLst>
+            <pc:docMk/>
+            <pc:sldMk cId="158552046" sldId="262"/>
+            <ac:spMk id="5" creationId="{07CFDB7C-45AB-4DE8-9414-8539C4EC197B}"/>
+          </ac:spMkLst>
+        </pc:spChg>
         <pc:spChg chg="add mod">
           <ac:chgData name="Никола Алексеев" userId="ba66283bcb01e904" providerId="LiveId" clId="{9FA99FA1-656E-4361-BD8C-5D97150E1C72}" dt="2018-02-25T22:29:58.914" v="6351" actId="14100"/>
           <ac:spMkLst>
             <pc:docMk/>
             <pc:sldMk cId="158552046" sldId="262"/>
             <ac:spMk id="5" creationId="{CA852A51-4143-458E-88BB-C5AB2D1D5D0A}"/>
-          </ac:spMkLst>
-        </pc:spChg>
-        <pc:spChg chg="add del">
-          <ac:chgData name="Никола Алексеев" userId="ba66283bcb01e904" providerId="LiveId" clId="{9FA99FA1-656E-4361-BD8C-5D97150E1C72}" dt="2018-02-25T00:39:16.401" v="1835" actId="478"/>
-          <ac:spMkLst>
-            <pc:docMk/>
-            <pc:sldMk cId="158552046" sldId="262"/>
-            <ac:spMk id="5" creationId="{07CFDB7C-45AB-4DE8-9414-8539C4EC197B}"/>
           </ac:spMkLst>
         </pc:spChg>
         <pc:spChg chg="add del mod">
@@ -2159,19 +2159,19 @@
           </ac:spMkLst>
         </pc:spChg>
         <pc:picChg chg="add del mod">
-          <ac:chgData name="Никола Алексеев" userId="ba66283bcb01e904" providerId="LiveId" clId="{9FA99FA1-656E-4361-BD8C-5D97150E1C72}" dt="2018-02-26T23:03:48.572" v="18120" actId="1076"/>
+          <ac:chgData name="Никола Алексеев" userId="ba66283bcb01e904" providerId="LiveId" clId="{9FA99FA1-656E-4361-BD8C-5D97150E1C72}" dt="2018-02-25T23:41:05.104" v="9218" actId="478"/>
           <ac:picMkLst>
             <pc:docMk/>
             <pc:sldMk cId="2490399688" sldId="268"/>
-            <ac:picMk id="2" creationId="{FD38FF66-4851-4302-A0CB-D6E6885FD3D9}"/>
+            <ac:picMk id="2" creationId="{4D5E1687-730B-46DA-AF90-254C0B7F9B74}"/>
           </ac:picMkLst>
         </pc:picChg>
         <pc:picChg chg="add del mod">
-          <ac:chgData name="Никола Алексеев" userId="ba66283bcb01e904" providerId="LiveId" clId="{9FA99FA1-656E-4361-BD8C-5D97150E1C72}" dt="2018-02-25T23:41:05.104" v="9218" actId="478"/>
+          <ac:chgData name="Никола Алексеев" userId="ba66283bcb01e904" providerId="LiveId" clId="{9FA99FA1-656E-4361-BD8C-5D97150E1C72}" dt="2018-02-26T23:03:48.572" v="18120" actId="1076"/>
           <ac:picMkLst>
             <pc:docMk/>
             <pc:sldMk cId="2490399688" sldId="268"/>
-            <ac:picMk id="2" creationId="{4D5E1687-730B-46DA-AF90-254C0B7F9B74}"/>
+            <ac:picMk id="2" creationId="{FD38FF66-4851-4302-A0CB-D6E6885FD3D9}"/>
           </ac:picMkLst>
         </pc:picChg>
         <pc:picChg chg="add mod">
@@ -3916,7 +3916,7 @@
           <a:p>
             <a:fld id="{F6D8C1CC-B947-4082-943C-2B15D0562C1D}" type="datetimeFigureOut">
               <a:rPr lang="en-US" smtClean="0"/>
-              <a:t>11/7/2018</a:t>
+              <a:t>2/27/2019</a:t>
             </a:fld>
             <a:endParaRPr lang="en-US"/>
           </a:p>
@@ -8582,7 +8582,7 @@
           <a:p>
             <a:fld id="{C3092D70-B9B3-42E8-972A-1A494C668E52}" type="datetimeFigureOut">
               <a:rPr lang="bg-BG" smtClean="0"/>
-              <a:t>7.11.2018 г.</a:t>
+              <a:t>27.2.2019 г.</a:t>
             </a:fld>
             <a:endParaRPr lang="bg-BG"/>
           </a:p>
@@ -8780,7 +8780,7 @@
           <a:p>
             <a:fld id="{C3092D70-B9B3-42E8-972A-1A494C668E52}" type="datetimeFigureOut">
               <a:rPr lang="bg-BG" smtClean="0"/>
-              <a:t>7.11.2018 г.</a:t>
+              <a:t>27.2.2019 г.</a:t>
             </a:fld>
             <a:endParaRPr lang="bg-BG"/>
           </a:p>
@@ -8988,7 +8988,7 @@
           <a:p>
             <a:fld id="{C3092D70-B9B3-42E8-972A-1A494C668E52}" type="datetimeFigureOut">
               <a:rPr lang="bg-BG" smtClean="0"/>
-              <a:t>7.11.2018 г.</a:t>
+              <a:t>27.2.2019 г.</a:t>
             </a:fld>
             <a:endParaRPr lang="bg-BG"/>
           </a:p>
@@ -9186,7 +9186,7 @@
           <a:p>
             <a:fld id="{C3092D70-B9B3-42E8-972A-1A494C668E52}" type="datetimeFigureOut">
               <a:rPr lang="bg-BG" smtClean="0"/>
-              <a:t>7.11.2018 г.</a:t>
+              <a:t>27.2.2019 г.</a:t>
             </a:fld>
             <a:endParaRPr lang="bg-BG"/>
           </a:p>
@@ -9461,7 +9461,7 @@
           <a:p>
             <a:fld id="{C3092D70-B9B3-42E8-972A-1A494C668E52}" type="datetimeFigureOut">
               <a:rPr lang="bg-BG" smtClean="0"/>
-              <a:t>7.11.2018 г.</a:t>
+              <a:t>27.2.2019 г.</a:t>
             </a:fld>
             <a:endParaRPr lang="bg-BG"/>
           </a:p>
@@ -9726,7 +9726,7 @@
           <a:p>
             <a:fld id="{C3092D70-B9B3-42E8-972A-1A494C668E52}" type="datetimeFigureOut">
               <a:rPr lang="bg-BG" smtClean="0"/>
-              <a:t>7.11.2018 г.</a:t>
+              <a:t>27.2.2019 г.</a:t>
             </a:fld>
             <a:endParaRPr lang="bg-BG"/>
           </a:p>
@@ -10138,7 +10138,7 @@
           <a:p>
             <a:fld id="{C3092D70-B9B3-42E8-972A-1A494C668E52}" type="datetimeFigureOut">
               <a:rPr lang="bg-BG" smtClean="0"/>
-              <a:t>7.11.2018 г.</a:t>
+              <a:t>27.2.2019 г.</a:t>
             </a:fld>
             <a:endParaRPr lang="bg-BG"/>
           </a:p>
@@ -10279,7 +10279,7 @@
           <a:p>
             <a:fld id="{C3092D70-B9B3-42E8-972A-1A494C668E52}" type="datetimeFigureOut">
               <a:rPr lang="bg-BG" smtClean="0"/>
-              <a:t>7.11.2018 г.</a:t>
+              <a:t>27.2.2019 г.</a:t>
             </a:fld>
             <a:endParaRPr lang="bg-BG"/>
           </a:p>
@@ -10392,7 +10392,7 @@
           <a:p>
             <a:fld id="{C3092D70-B9B3-42E8-972A-1A494C668E52}" type="datetimeFigureOut">
               <a:rPr lang="bg-BG" smtClean="0"/>
-              <a:t>7.11.2018 г.</a:t>
+              <a:t>27.2.2019 г.</a:t>
             </a:fld>
             <a:endParaRPr lang="bg-BG"/>
           </a:p>
@@ -10703,7 +10703,7 @@
           <a:p>
             <a:fld id="{C3092D70-B9B3-42E8-972A-1A494C668E52}" type="datetimeFigureOut">
               <a:rPr lang="bg-BG" smtClean="0"/>
-              <a:t>7.11.2018 г.</a:t>
+              <a:t>27.2.2019 г.</a:t>
             </a:fld>
             <a:endParaRPr lang="bg-BG"/>
           </a:p>
@@ -10991,7 +10991,7 @@
           <a:p>
             <a:fld id="{C3092D70-B9B3-42E8-972A-1A494C668E52}" type="datetimeFigureOut">
               <a:rPr lang="bg-BG" smtClean="0"/>
-              <a:t>7.11.2018 г.</a:t>
+              <a:t>27.2.2019 г.</a:t>
             </a:fld>
             <a:endParaRPr lang="bg-BG"/>
           </a:p>
@@ -11232,7 +11232,7 @@
           <a:p>
             <a:fld id="{C3092D70-B9B3-42E8-972A-1A494C668E52}" type="datetimeFigureOut">
               <a:rPr lang="bg-BG" smtClean="0"/>
-              <a:t>7.11.2018 г.</a:t>
+              <a:t>27.2.2019 г.</a:t>
             </a:fld>
             <a:endParaRPr lang="bg-BG"/>
           </a:p>
@@ -13946,7 +13946,15 @@
             </a:r>
             <a:r>
               <a:rPr lang="bg-BG" sz="1600" dirty="0"/>
-              <a:t>елемент, който помага на празработчиците да предотвратят проблеми свързани с дупликиране на съдържанието. Това се постига чрез дефиниране на „</a:t>
+              <a:t>елемент, който помага </a:t>
+            </a:r>
+            <a:r>
+              <a:rPr lang="bg-BG" sz="1600"/>
+              <a:t>на разработчиците </a:t>
+            </a:r>
+            <a:r>
+              <a:rPr lang="bg-BG" sz="1600" dirty="0"/>
+              <a:t>да предотвратят проблеми свързани с дупликиране на съдържанието. Това се постига чрез дефиниране на „</a:t>
             </a:r>
             <a:r>
               <a:rPr lang="en-US" sz="1600" dirty="0"/>
